--- a/docs/report/images/architecture_diagram.pptx
+++ b/docs/report/images/architecture_diagram.pptx
@@ -259,7 +259,7 @@
           <a:p>
             <a:fld id="{BCAC1719-9549-A14B-89C4-B8087E8BDB57}" type="datetimeFigureOut">
               <a:rPr lang="en-US" smtClean="0"/>
-              <a:t>8/17/19</a:t>
+              <a:t>8/21/19</a:t>
             </a:fld>
             <a:endParaRPr lang="en-US"/>
           </a:p>
@@ -457,7 +457,7 @@
           <a:p>
             <a:fld id="{BCAC1719-9549-A14B-89C4-B8087E8BDB57}" type="datetimeFigureOut">
               <a:rPr lang="en-US" smtClean="0"/>
-              <a:t>8/17/19</a:t>
+              <a:t>8/21/19</a:t>
             </a:fld>
             <a:endParaRPr lang="en-US"/>
           </a:p>
@@ -665,7 +665,7 @@
           <a:p>
             <a:fld id="{BCAC1719-9549-A14B-89C4-B8087E8BDB57}" type="datetimeFigureOut">
               <a:rPr lang="en-US" smtClean="0"/>
-              <a:t>8/17/19</a:t>
+              <a:t>8/21/19</a:t>
             </a:fld>
             <a:endParaRPr lang="en-US"/>
           </a:p>
@@ -863,7 +863,7 @@
           <a:p>
             <a:fld id="{BCAC1719-9549-A14B-89C4-B8087E8BDB57}" type="datetimeFigureOut">
               <a:rPr lang="en-US" smtClean="0"/>
-              <a:t>8/17/19</a:t>
+              <a:t>8/21/19</a:t>
             </a:fld>
             <a:endParaRPr lang="en-US"/>
           </a:p>
@@ -1138,7 +1138,7 @@
           <a:p>
             <a:fld id="{BCAC1719-9549-A14B-89C4-B8087E8BDB57}" type="datetimeFigureOut">
               <a:rPr lang="en-US" smtClean="0"/>
-              <a:t>8/17/19</a:t>
+              <a:t>8/21/19</a:t>
             </a:fld>
             <a:endParaRPr lang="en-US"/>
           </a:p>
@@ -1403,7 +1403,7 @@
           <a:p>
             <a:fld id="{BCAC1719-9549-A14B-89C4-B8087E8BDB57}" type="datetimeFigureOut">
               <a:rPr lang="en-US" smtClean="0"/>
-              <a:t>8/17/19</a:t>
+              <a:t>8/21/19</a:t>
             </a:fld>
             <a:endParaRPr lang="en-US"/>
           </a:p>
@@ -1815,7 +1815,7 @@
           <a:p>
             <a:fld id="{BCAC1719-9549-A14B-89C4-B8087E8BDB57}" type="datetimeFigureOut">
               <a:rPr lang="en-US" smtClean="0"/>
-              <a:t>8/17/19</a:t>
+              <a:t>8/21/19</a:t>
             </a:fld>
             <a:endParaRPr lang="en-US"/>
           </a:p>
@@ -1956,7 +1956,7 @@
           <a:p>
             <a:fld id="{BCAC1719-9549-A14B-89C4-B8087E8BDB57}" type="datetimeFigureOut">
               <a:rPr lang="en-US" smtClean="0"/>
-              <a:t>8/17/19</a:t>
+              <a:t>8/21/19</a:t>
             </a:fld>
             <a:endParaRPr lang="en-US"/>
           </a:p>
@@ -2069,7 +2069,7 @@
           <a:p>
             <a:fld id="{BCAC1719-9549-A14B-89C4-B8087E8BDB57}" type="datetimeFigureOut">
               <a:rPr lang="en-US" smtClean="0"/>
-              <a:t>8/17/19</a:t>
+              <a:t>8/21/19</a:t>
             </a:fld>
             <a:endParaRPr lang="en-US"/>
           </a:p>
@@ -2380,7 +2380,7 @@
           <a:p>
             <a:fld id="{BCAC1719-9549-A14B-89C4-B8087E8BDB57}" type="datetimeFigureOut">
               <a:rPr lang="en-US" smtClean="0"/>
-              <a:t>8/17/19</a:t>
+              <a:t>8/21/19</a:t>
             </a:fld>
             <a:endParaRPr lang="en-US"/>
           </a:p>
@@ -2668,7 +2668,7 @@
           <a:p>
             <a:fld id="{BCAC1719-9549-A14B-89C4-B8087E8BDB57}" type="datetimeFigureOut">
               <a:rPr lang="en-US" smtClean="0"/>
-              <a:t>8/17/19</a:t>
+              <a:t>8/21/19</a:t>
             </a:fld>
             <a:endParaRPr lang="en-US"/>
           </a:p>
@@ -2909,7 +2909,7 @@
           <a:p>
             <a:fld id="{BCAC1719-9549-A14B-89C4-B8087E8BDB57}" type="datetimeFigureOut">
               <a:rPr lang="en-US" smtClean="0"/>
-              <a:t>8/17/19</a:t>
+              <a:t>8/21/19</a:t>
             </a:fld>
             <a:endParaRPr lang="en-US"/>
           </a:p>
@@ -3328,10 +3328,10 @@
       </p:grpSpPr>
       <p:sp>
         <p:nvSpPr>
-          <p:cNvPr id="4" name="Rounded Rectangle 3">
-            <a:extLst>
-              <a:ext uri="{FF2B5EF4-FFF2-40B4-BE49-F238E27FC236}">
-                <a16:creationId xmlns:a16="http://schemas.microsoft.com/office/drawing/2014/main" id="{B5B42F70-FE27-BE44-8EB8-911C470DDE7B}"/>
+          <p:cNvPr id="5" name="Rounded Rectangle 4">
+            <a:extLst>
+              <a:ext uri="{FF2B5EF4-FFF2-40B4-BE49-F238E27FC236}">
+                <a16:creationId xmlns:a16="http://schemas.microsoft.com/office/drawing/2014/main" id="{4C45E7B6-B9F5-3941-8990-19B09A639BBE}"/>
               </a:ext>
             </a:extLst>
           </p:cNvPr>
@@ -3340,56 +3340,7 @@
         </p:nvSpPr>
         <p:spPr>
           <a:xfrm>
-            <a:off x="1860674" y="178319"/>
-            <a:ext cx="1742304" cy="1068859"/>
-          </a:xfrm>
-          <a:prstGeom prst="roundRect">
-            <a:avLst/>
-          </a:prstGeom>
-        </p:spPr>
-        <p:style>
-          <a:lnRef idx="2">
-            <a:schemeClr val="accent1">
-              <a:shade val="50000"/>
-            </a:schemeClr>
-          </a:lnRef>
-          <a:fillRef idx="1">
-            <a:schemeClr val="accent1"/>
-          </a:fillRef>
-          <a:effectRef idx="0">
-            <a:schemeClr val="accent1"/>
-          </a:effectRef>
-          <a:fontRef idx="minor">
-            <a:schemeClr val="lt1"/>
-          </a:fontRef>
-        </p:style>
-        <p:txBody>
-          <a:bodyPr rtlCol="0" anchor="ctr"/>
-          <a:lstStyle/>
-          <a:p>
-            <a:pPr algn="ctr"/>
-            <a:r>
-              <a:rPr lang="en-US" dirty="0"/>
-              <a:t>Authentication service</a:t>
-            </a:r>
-          </a:p>
-        </p:txBody>
-      </p:sp>
-      <p:sp>
-        <p:nvSpPr>
-          <p:cNvPr id="5" name="Rounded Rectangle 4">
-            <a:extLst>
-              <a:ext uri="{FF2B5EF4-FFF2-40B4-BE49-F238E27FC236}">
-                <a16:creationId xmlns:a16="http://schemas.microsoft.com/office/drawing/2014/main" id="{4C45E7B6-B9F5-3941-8990-19B09A639BBE}"/>
-              </a:ext>
-            </a:extLst>
-          </p:cNvPr>
-          <p:cNvSpPr/>
-          <p:nvPr/>
-        </p:nvSpPr>
-        <p:spPr>
-          <a:xfrm>
-            <a:off x="10113146" y="1989428"/>
+            <a:off x="6486893" y="2688159"/>
             <a:ext cx="1849395" cy="1068859"/>
           </a:xfrm>
           <a:prstGeom prst="roundRect">
@@ -3487,7 +3438,7 @@
         </p:nvSpPr>
         <p:spPr>
           <a:xfrm>
-            <a:off x="6346734" y="1989431"/>
+            <a:off x="1860674" y="227132"/>
             <a:ext cx="1742304" cy="1068859"/>
           </a:xfrm>
           <a:prstGeom prst="roundRect">
@@ -3518,55 +3469,6 @@
             <a:r>
               <a:rPr lang="en-US" dirty="0"/>
               <a:t>Gateway service</a:t>
-            </a:r>
-          </a:p>
-        </p:txBody>
-      </p:sp>
-      <p:sp>
-        <p:nvSpPr>
-          <p:cNvPr id="8" name="Rounded Rectangle 7">
-            <a:extLst>
-              <a:ext uri="{FF2B5EF4-FFF2-40B4-BE49-F238E27FC236}">
-                <a16:creationId xmlns:a16="http://schemas.microsoft.com/office/drawing/2014/main" id="{31B11909-1864-B34A-8D41-82489A735CBD}"/>
-              </a:ext>
-            </a:extLst>
-          </p:cNvPr>
-          <p:cNvSpPr/>
-          <p:nvPr/>
-        </p:nvSpPr>
-        <p:spPr>
-          <a:xfrm>
-            <a:off x="6343828" y="5365150"/>
-            <a:ext cx="1742304" cy="1068859"/>
-          </a:xfrm>
-          <a:prstGeom prst="roundRect">
-            <a:avLst/>
-          </a:prstGeom>
-        </p:spPr>
-        <p:style>
-          <a:lnRef idx="2">
-            <a:schemeClr val="accent1">
-              <a:shade val="50000"/>
-            </a:schemeClr>
-          </a:lnRef>
-          <a:fillRef idx="1">
-            <a:schemeClr val="accent1"/>
-          </a:fillRef>
-          <a:effectRef idx="0">
-            <a:schemeClr val="accent1"/>
-          </a:effectRef>
-          <a:fontRef idx="minor">
-            <a:schemeClr val="lt1"/>
-          </a:fontRef>
-        </p:style>
-        <p:txBody>
-          <a:bodyPr rtlCol="0" anchor="ctr"/>
-          <a:lstStyle/>
-          <a:p>
-            <a:pPr algn="ctr"/>
-            <a:r>
-              <a:rPr lang="en-US" dirty="0"/>
-              <a:t>Search service</a:t>
             </a:r>
           </a:p>
         </p:txBody>
@@ -3633,9 +3535,9 @@
           <p:nvPr/>
         </p:nvSpPr>
         <p:spPr>
-          <a:xfrm>
-            <a:off x="3885023" y="2354012"/>
-            <a:ext cx="1810304" cy="923330"/>
+          <a:xfrm rot="929841">
+            <a:off x="3783671" y="2228319"/>
+            <a:ext cx="2203808" cy="369332"/>
           </a:xfrm>
           <a:prstGeom prst="rect">
             <a:avLst/>
@@ -3650,70 +3552,11 @@
           <a:p>
             <a:r>
               <a:rPr lang="en-US" dirty="0"/>
-              <a:t>Get data about </a:t>
-            </a:r>
-          </a:p>
-          <a:p>
-            <a:r>
-              <a:rPr lang="en-US" dirty="0"/>
-              <a:t>logged in user or </a:t>
-            </a:r>
-          </a:p>
-          <a:p>
-            <a:r>
-              <a:rPr lang="en-US" dirty="0"/>
-              <a:t>user session</a:t>
-            </a:r>
-          </a:p>
-        </p:txBody>
-      </p:sp>
-      <p:cxnSp>
-        <p:nvCxnSpPr>
-          <p:cNvPr id="28" name="Straight Arrow Connector 27">
-            <a:extLst>
-              <a:ext uri="{FF2B5EF4-FFF2-40B4-BE49-F238E27FC236}">
-                <a16:creationId xmlns:a16="http://schemas.microsoft.com/office/drawing/2014/main" id="{93D5FA3D-7506-A549-855B-5A4EBD889FB6}"/>
-              </a:ext>
-            </a:extLst>
-          </p:cNvPr>
-          <p:cNvCxnSpPr>
-            <a:cxnSpLocks/>
-            <a:stCxn id="6" idx="3"/>
-            <a:endCxn id="8" idx="1"/>
-          </p:cNvCxnSpPr>
-          <p:nvPr/>
-        </p:nvCxnSpPr>
-        <p:spPr>
-          <a:xfrm>
-            <a:off x="3602978" y="5899580"/>
-            <a:ext cx="2740850" cy="0"/>
-          </a:xfrm>
-          <a:prstGeom prst="straightConnector1">
-            <a:avLst/>
-          </a:prstGeom>
-          <a:ln w="53975">
-            <a:solidFill>
-              <a:srgbClr val="FF0000"/>
-            </a:solidFill>
-            <a:headEnd type="triangle" w="med" len="med"/>
-            <a:tailEnd type="triangle" w="med" len="med"/>
-          </a:ln>
-        </p:spPr>
-        <p:style>
-          <a:lnRef idx="1">
-            <a:schemeClr val="accent2"/>
-          </a:lnRef>
-          <a:fillRef idx="0">
-            <a:schemeClr val="accent2"/>
-          </a:fillRef>
-          <a:effectRef idx="0">
-            <a:schemeClr val="accent2"/>
-          </a:effectRef>
-          <a:fontRef idx="minor">
-            <a:schemeClr val="tx1"/>
-          </a:fontRef>
-        </p:style>
-      </p:cxnSp>
+              <a:t>Ratings and user data</a:t>
+            </a:r>
+          </a:p>
+        </p:txBody>
+      </p:sp>
       <p:cxnSp>
         <p:nvCxnSpPr>
           <p:cNvPr id="30" name="Straight Arrow Connector 29">
@@ -3725,61 +3568,13 @@
           </p:cNvPr>
           <p:cNvCxnSpPr>
             <a:cxnSpLocks/>
-            <a:stCxn id="4" idx="3"/>
           </p:cNvCxnSpPr>
           <p:nvPr/>
         </p:nvCxnSpPr>
         <p:spPr>
           <a:xfrm>
             <a:off x="3602978" y="712749"/>
-            <a:ext cx="2779370" cy="1169615"/>
-          </a:xfrm>
-          <a:prstGeom prst="straightConnector1">
-            <a:avLst/>
-          </a:prstGeom>
-          <a:ln w="53975">
-            <a:solidFill>
-              <a:srgbClr val="FF0000"/>
-            </a:solidFill>
-            <a:headEnd type="triangle" w="med" len="med"/>
-            <a:tailEnd type="triangle" w="med" len="med"/>
-          </a:ln>
-        </p:spPr>
-        <p:style>
-          <a:lnRef idx="1">
-            <a:schemeClr val="accent2"/>
-          </a:lnRef>
-          <a:fillRef idx="0">
-            <a:schemeClr val="accent2"/>
-          </a:fillRef>
-          <a:effectRef idx="0">
-            <a:schemeClr val="accent2"/>
-          </a:effectRef>
-          <a:fontRef idx="minor">
-            <a:schemeClr val="tx1"/>
-          </a:fontRef>
-        </p:style>
-      </p:cxnSp>
-      <p:cxnSp>
-        <p:nvCxnSpPr>
-          <p:cNvPr id="33" name="Straight Arrow Connector 32">
-            <a:extLst>
-              <a:ext uri="{FF2B5EF4-FFF2-40B4-BE49-F238E27FC236}">
-                <a16:creationId xmlns:a16="http://schemas.microsoft.com/office/drawing/2014/main" id="{BBE8F659-4C3C-AE41-A8BA-467BF76AB8CF}"/>
-              </a:ext>
-            </a:extLst>
-          </p:cNvPr>
-          <p:cNvCxnSpPr>
-            <a:cxnSpLocks/>
-            <a:stCxn id="7" idx="3"/>
-            <a:endCxn id="5" idx="1"/>
-          </p:cNvCxnSpPr>
-          <p:nvPr/>
-        </p:nvCxnSpPr>
-        <p:spPr>
-          <a:xfrm flipV="1">
-            <a:off x="8089038" y="2523858"/>
-            <a:ext cx="2024108" cy="3"/>
+            <a:ext cx="2752635" cy="1920818"/>
           </a:xfrm>
           <a:prstGeom prst="straightConnector1">
             <a:avLst/>
@@ -3825,7 +3620,7 @@
         <p:spPr>
           <a:xfrm>
             <a:off x="3602978" y="2326782"/>
-            <a:ext cx="2676646" cy="27991"/>
+            <a:ext cx="2752635" cy="693723"/>
           </a:xfrm>
           <a:prstGeom prst="straightConnector1">
             <a:avLst/>
@@ -3864,15 +3659,14 @@
           </p:cNvPr>
           <p:cNvCxnSpPr>
             <a:cxnSpLocks/>
-            <a:stCxn id="8" idx="0"/>
-            <a:endCxn id="7" idx="2"/>
+            <a:stCxn id="6" idx="3"/>
           </p:cNvCxnSpPr>
           <p:nvPr/>
         </p:nvCxnSpPr>
         <p:spPr>
           <a:xfrm flipV="1">
-            <a:off x="7214980" y="3058290"/>
-            <a:ext cx="2906" cy="2306860"/>
+            <a:off x="3602978" y="3757018"/>
+            <a:ext cx="2883915" cy="2142562"/>
           </a:xfrm>
           <a:prstGeom prst="straightConnector1">
             <a:avLst/>
@@ -4060,8 +3854,8 @@
         </p:nvCxnSpPr>
         <p:spPr>
           <a:xfrm flipV="1">
-            <a:off x="3602978" y="2982555"/>
-            <a:ext cx="2740851" cy="1054666"/>
+            <a:off x="3602978" y="3367645"/>
+            <a:ext cx="2800549" cy="669576"/>
           </a:xfrm>
           <a:prstGeom prst="straightConnector1">
             <a:avLst/>
@@ -4091,10 +3885,10 @@
       </p:cxnSp>
       <p:sp>
         <p:nvSpPr>
-          <p:cNvPr id="69" name="TextBox 68">
-            <a:extLst>
-              <a:ext uri="{FF2B5EF4-FFF2-40B4-BE49-F238E27FC236}">
-                <a16:creationId xmlns:a16="http://schemas.microsoft.com/office/drawing/2014/main" id="{43652944-C112-8A46-8C48-DD76BFCC955D}"/>
+          <p:cNvPr id="70" name="TextBox 69">
+            <a:extLst>
+              <a:ext uri="{FF2B5EF4-FFF2-40B4-BE49-F238E27FC236}">
+                <a16:creationId xmlns:a16="http://schemas.microsoft.com/office/drawing/2014/main" id="{471CAFE9-A841-D644-9B35-3BD4B4BEC95E}"/>
               </a:ext>
             </a:extLst>
           </p:cNvPr>
@@ -4102,9 +3896,9 @@
           <p:nvPr/>
         </p:nvSpPr>
         <p:spPr>
-          <a:xfrm rot="1435452">
-            <a:off x="4162021" y="799884"/>
-            <a:ext cx="2278444" cy="369332"/>
+          <a:xfrm rot="2133322">
+            <a:off x="3812930" y="1233251"/>
+            <a:ext cx="2738507" cy="369332"/>
           </a:xfrm>
           <a:prstGeom prst="rect">
             <a:avLst/>
@@ -4119,17 +3913,17 @@
           <a:p>
             <a:r>
               <a:rPr lang="en-US" dirty="0"/>
-              <a:t>Handle authentication</a:t>
-            </a:r>
-          </a:p>
-        </p:txBody>
-      </p:sp>
-      <p:sp>
-        <p:nvSpPr>
-          <p:cNvPr id="70" name="TextBox 69">
-            <a:extLst>
-              <a:ext uri="{FF2B5EF4-FFF2-40B4-BE49-F238E27FC236}">
-                <a16:creationId xmlns:a16="http://schemas.microsoft.com/office/drawing/2014/main" id="{471CAFE9-A841-D644-9B35-3BD4B4BEC95E}"/>
+              <a:t>Session and Authentication</a:t>
+            </a:r>
+          </a:p>
+        </p:txBody>
+      </p:sp>
+      <p:sp>
+        <p:nvSpPr>
+          <p:cNvPr id="78" name="TextBox 77">
+            <a:extLst>
+              <a:ext uri="{FF2B5EF4-FFF2-40B4-BE49-F238E27FC236}">
+                <a16:creationId xmlns:a16="http://schemas.microsoft.com/office/drawing/2014/main" id="{6E734C7D-5AF7-6E47-B409-B9B8D424BCBF}"/>
               </a:ext>
             </a:extLst>
           </p:cNvPr>
@@ -4137,84 +3931,8 @@
           <p:nvPr/>
         </p:nvSpPr>
         <p:spPr>
-          <a:xfrm>
-            <a:off x="8168318" y="1666263"/>
-            <a:ext cx="1944828" cy="646331"/>
-          </a:xfrm>
-          <a:prstGeom prst="rect">
-            <a:avLst/>
-          </a:prstGeom>
-          <a:noFill/>
-        </p:spPr>
-        <p:txBody>
-          <a:bodyPr wrap="none" rtlCol="0">
-            <a:spAutoFit/>
-          </a:bodyPr>
-          <a:lstStyle/>
-          <a:p>
-            <a:r>
-              <a:rPr lang="en-US" dirty="0"/>
-              <a:t>Provide and check </a:t>
-            </a:r>
-          </a:p>
-          <a:p>
-            <a:r>
-              <a:rPr lang="en-US" dirty="0"/>
-              <a:t>JWT token</a:t>
-            </a:r>
-          </a:p>
-        </p:txBody>
-      </p:sp>
-      <p:sp>
-        <p:nvSpPr>
-          <p:cNvPr id="74" name="TextBox 73">
-            <a:extLst>
-              <a:ext uri="{FF2B5EF4-FFF2-40B4-BE49-F238E27FC236}">
-                <a16:creationId xmlns:a16="http://schemas.microsoft.com/office/drawing/2014/main" id="{69562044-D931-054D-A952-12D9B1622960}"/>
-              </a:ext>
-            </a:extLst>
-          </p:cNvPr>
-          <p:cNvSpPr txBox="1"/>
-          <p:nvPr/>
-        </p:nvSpPr>
-        <p:spPr>
-          <a:xfrm>
-            <a:off x="4075864" y="5139398"/>
-            <a:ext cx="2203760" cy="646331"/>
-          </a:xfrm>
-          <a:prstGeom prst="rect">
-            <a:avLst/>
-          </a:prstGeom>
-          <a:noFill/>
-        </p:spPr>
-        <p:txBody>
-          <a:bodyPr wrap="square" rtlCol="0">
-            <a:spAutoFit/>
-          </a:bodyPr>
-          <a:lstStyle/>
-          <a:p>
-            <a:r>
-              <a:rPr lang="en-US" dirty="0"/>
-              <a:t>Get movies based on search query</a:t>
-            </a:r>
-          </a:p>
-        </p:txBody>
-      </p:sp>
-      <p:sp>
-        <p:nvSpPr>
-          <p:cNvPr id="78" name="TextBox 77">
-            <a:extLst>
-              <a:ext uri="{FF2B5EF4-FFF2-40B4-BE49-F238E27FC236}">
-                <a16:creationId xmlns:a16="http://schemas.microsoft.com/office/drawing/2014/main" id="{6E734C7D-5AF7-6E47-B409-B9B8D424BCBF}"/>
-              </a:ext>
-            </a:extLst>
-          </p:cNvPr>
-          <p:cNvSpPr txBox="1"/>
-          <p:nvPr/>
-        </p:nvSpPr>
-        <p:spPr>
-          <a:xfrm rot="20148601">
-            <a:off x="3884068" y="3611434"/>
+          <a:xfrm rot="20862110">
+            <a:off x="3639209" y="3303073"/>
             <a:ext cx="2670155" cy="369332"/>
           </a:xfrm>
           <a:prstGeom prst="rect">
@@ -4230,7 +3948,7 @@
           <a:p>
             <a:r>
               <a:rPr lang="en-US" dirty="0"/>
-              <a:t>Get recommended movies</a:t>
+              <a:t>Recommended Movies</a:t>
             </a:r>
           </a:p>
         </p:txBody>
@@ -4459,102 +4177,6 @@
           </a:p>
         </p:txBody>
       </p:sp>
-      <p:sp>
-        <p:nvSpPr>
-          <p:cNvPr id="84" name="Can 83">
-            <a:extLst>
-              <a:ext uri="{FF2B5EF4-FFF2-40B4-BE49-F238E27FC236}">
-                <a16:creationId xmlns:a16="http://schemas.microsoft.com/office/drawing/2014/main" id="{4F591E46-D2D8-984A-9678-E4A43C198936}"/>
-              </a:ext>
-            </a:extLst>
-          </p:cNvPr>
-          <p:cNvSpPr/>
-          <p:nvPr/>
-        </p:nvSpPr>
-        <p:spPr>
-          <a:xfrm>
-            <a:off x="9036548" y="5406424"/>
-            <a:ext cx="870642" cy="986310"/>
-          </a:xfrm>
-          <a:prstGeom prst="can">
-            <a:avLst/>
-          </a:prstGeom>
-        </p:spPr>
-        <p:style>
-          <a:lnRef idx="2">
-            <a:schemeClr val="accent1">
-              <a:shade val="50000"/>
-            </a:schemeClr>
-          </a:lnRef>
-          <a:fillRef idx="1">
-            <a:schemeClr val="accent1"/>
-          </a:fillRef>
-          <a:effectRef idx="0">
-            <a:schemeClr val="accent1"/>
-          </a:effectRef>
-          <a:fontRef idx="minor">
-            <a:schemeClr val="lt1"/>
-          </a:fontRef>
-        </p:style>
-        <p:txBody>
-          <a:bodyPr rtlCol="0" anchor="ctr"/>
-          <a:lstStyle/>
-          <a:p>
-            <a:pPr algn="ctr"/>
-            <a:r>
-              <a:rPr lang="en-US" dirty="0"/>
-              <a:t>Elastic search DB</a:t>
-            </a:r>
-          </a:p>
-        </p:txBody>
-      </p:sp>
-      <p:cxnSp>
-        <p:nvCxnSpPr>
-          <p:cNvPr id="85" name="Straight Arrow Connector 84">
-            <a:extLst>
-              <a:ext uri="{FF2B5EF4-FFF2-40B4-BE49-F238E27FC236}">
-                <a16:creationId xmlns:a16="http://schemas.microsoft.com/office/drawing/2014/main" id="{BB3C701C-A58A-844D-8FFB-D8722AB89895}"/>
-              </a:ext>
-            </a:extLst>
-          </p:cNvPr>
-          <p:cNvCxnSpPr>
-            <a:cxnSpLocks/>
-            <a:stCxn id="8" idx="3"/>
-            <a:endCxn id="84" idx="2"/>
-          </p:cNvCxnSpPr>
-          <p:nvPr/>
-        </p:nvCxnSpPr>
-        <p:spPr>
-          <a:xfrm flipV="1">
-            <a:off x="8086132" y="5899579"/>
-            <a:ext cx="950416" cy="1"/>
-          </a:xfrm>
-          <a:prstGeom prst="straightConnector1">
-            <a:avLst/>
-          </a:prstGeom>
-          <a:ln w="53975">
-            <a:solidFill>
-              <a:srgbClr val="FF0000"/>
-            </a:solidFill>
-            <a:headEnd type="triangle" w="med" len="med"/>
-            <a:tailEnd type="triangle" w="med" len="med"/>
-          </a:ln>
-        </p:spPr>
-        <p:style>
-          <a:lnRef idx="1">
-            <a:schemeClr val="accent2"/>
-          </a:lnRef>
-          <a:fillRef idx="0">
-            <a:schemeClr val="accent2"/>
-          </a:fillRef>
-          <a:effectRef idx="0">
-            <a:schemeClr val="accent2"/>
-          </a:effectRef>
-          <a:fontRef idx="minor">
-            <a:schemeClr val="tx1"/>
-          </a:fontRef>
-        </p:style>
-      </p:cxnSp>
       <p:cxnSp>
         <p:nvCxnSpPr>
           <p:cNvPr id="89" name="Straight Arrow Connector 88">
@@ -4708,7 +4330,6 @@
           <p:cNvCxnSpPr>
             <a:cxnSpLocks/>
             <a:stCxn id="79" idx="4"/>
-            <a:endCxn id="4" idx="1"/>
           </p:cNvCxnSpPr>
           <p:nvPr/>
         </p:nvCxnSpPr>
@@ -4743,53 +4364,41 @@
           </a:fontRef>
         </p:style>
       </p:cxnSp>
-      <p:cxnSp>
-        <p:nvCxnSpPr>
-          <p:cNvPr id="34" name="Straight Arrow Connector 33">
-            <a:extLst>
-              <a:ext uri="{FF2B5EF4-FFF2-40B4-BE49-F238E27FC236}">
-                <a16:creationId xmlns:a16="http://schemas.microsoft.com/office/drawing/2014/main" id="{4DC98432-C359-6743-B622-597730CE947F}"/>
-              </a:ext>
-            </a:extLst>
-          </p:cNvPr>
-          <p:cNvCxnSpPr>
-            <a:cxnSpLocks/>
-            <a:stCxn id="4" idx="2"/>
-            <a:endCxn id="9" idx="0"/>
-          </p:cNvCxnSpPr>
+      <p:sp>
+        <p:nvSpPr>
+          <p:cNvPr id="18" name="TextBox 17">
+            <a:extLst>
+              <a:ext uri="{FF2B5EF4-FFF2-40B4-BE49-F238E27FC236}">
+                <a16:creationId xmlns:a16="http://schemas.microsoft.com/office/drawing/2014/main" id="{3528C038-B5F4-134A-8003-4E1670FEBE91}"/>
+              </a:ext>
+            </a:extLst>
+          </p:cNvPr>
+          <p:cNvSpPr txBox="1"/>
           <p:nvPr/>
-        </p:nvCxnSpPr>
+        </p:nvSpPr>
         <p:spPr>
-          <a:xfrm>
-            <a:off x="2731826" y="1247178"/>
-            <a:ext cx="0" cy="545174"/>
+          <a:xfrm rot="19503431">
+            <a:off x="3986174" y="4470627"/>
+            <a:ext cx="1694631" cy="369332"/>
           </a:xfrm>
-          <a:prstGeom prst="straightConnector1">
+          <a:prstGeom prst="rect">
             <a:avLst/>
           </a:prstGeom>
-          <a:ln w="53975">
-            <a:solidFill>
-              <a:srgbClr val="FF0000"/>
-            </a:solidFill>
-            <a:headEnd type="triangle" w="med" len="med"/>
-            <a:tailEnd type="triangle" w="med" len="med"/>
-          </a:ln>
+          <a:noFill/>
         </p:spPr>
-        <p:style>
-          <a:lnRef idx="1">
-            <a:schemeClr val="accent2"/>
-          </a:lnRef>
-          <a:fillRef idx="0">
-            <a:schemeClr val="accent2"/>
-          </a:fillRef>
-          <a:effectRef idx="0">
-            <a:schemeClr val="accent2"/>
-          </a:effectRef>
-          <a:fontRef idx="minor">
-            <a:schemeClr val="tx1"/>
-          </a:fontRef>
-        </p:style>
-      </p:cxnSp>
+        <p:txBody>
+          <a:bodyPr wrap="none" rtlCol="0">
+            <a:spAutoFit/>
+          </a:bodyPr>
+          <a:lstStyle/>
+          <a:p>
+            <a:r>
+              <a:rPr lang="en-US" dirty="0"/>
+              <a:t>Retrieve Movies</a:t>
+            </a:r>
+          </a:p>
+        </p:txBody>
+      </p:sp>
     </p:spTree>
     <p:extLst>
       <p:ext uri="{BB962C8B-B14F-4D97-AF65-F5344CB8AC3E}">
